--- a/Group_Nine_Slides_v2.pptx
+++ b/Group_Nine_Slides_v2.pptx
@@ -8,11 +8,11 @@
     <p:sldId id="256" r:id="rId2"/>
     <p:sldId id="257" r:id="rId3"/>
     <p:sldId id="258" r:id="rId4"/>
-    <p:sldId id="259" r:id="rId5"/>
-    <p:sldId id="260" r:id="rId6"/>
-    <p:sldId id="261" r:id="rId7"/>
-    <p:sldId id="262" r:id="rId8"/>
-    <p:sldId id="267" r:id="rId9"/>
+    <p:sldId id="267" r:id="rId5"/>
+    <p:sldId id="262" r:id="rId6"/>
+    <p:sldId id="259" r:id="rId7"/>
+    <p:sldId id="260" r:id="rId8"/>
+    <p:sldId id="261" r:id="rId9"/>
     <p:sldId id="268" r:id="rId10"/>
     <p:sldId id="264" r:id="rId11"/>
     <p:sldId id="265" r:id="rId12"/>
@@ -120,6 +120,41 @@
     </p:ext>
   </p:extLst>
 </p:presentation>
+</file>
+
+<file path=ppt/changesInfos/changesInfo1.xml><?xml version="1.0" encoding="utf-8"?>
+<pc:chgInfo xmlns:a="http://schemas.openxmlformats.org/drawingml/2006/main" xmlns:r="http://schemas.openxmlformats.org/officeDocument/2006/relationships" xmlns:ac="http://schemas.microsoft.com/office/drawing/2013/main/command" xmlns:pc="http://schemas.microsoft.com/office/powerpoint/2013/main/command">
+  <pc:docChgLst>
+    <pc:chgData name=" " userId="a4e54142d89f7d70" providerId="LiveId" clId="{C1C4C00E-DDD6-479D-A49B-A950236E3C33}"/>
+    <pc:docChg chg="modSld sldOrd">
+      <pc:chgData name=" " userId="a4e54142d89f7d70" providerId="LiveId" clId="{C1C4C00E-DDD6-479D-A49B-A950236E3C33}" dt="2020-06-04T01:03:10.932" v="7"/>
+      <pc:docMkLst>
+        <pc:docMk/>
+      </pc:docMkLst>
+      <pc:sldChg chg="ord">
+        <pc:chgData name=" " userId="a4e54142d89f7d70" providerId="LiveId" clId="{C1C4C00E-DDD6-479D-A49B-A950236E3C33}" dt="2020-06-04T01:03:10.932" v="7"/>
+        <pc:sldMkLst>
+          <pc:docMk/>
+          <pc:sldMk cId="2022625809" sldId="258"/>
+        </pc:sldMkLst>
+      </pc:sldChg>
+      <pc:sldChg chg="ord">
+        <pc:chgData name=" " userId="a4e54142d89f7d70" providerId="LiveId" clId="{C1C4C00E-DDD6-479D-A49B-A950236E3C33}" dt="2020-06-04T00:56:40.634" v="3"/>
+        <pc:sldMkLst>
+          <pc:docMk/>
+          <pc:sldMk cId="3105425967" sldId="262"/>
+        </pc:sldMkLst>
+      </pc:sldChg>
+      <pc:sldChg chg="ord">
+        <pc:chgData name=" " userId="a4e54142d89f7d70" providerId="LiveId" clId="{C1C4C00E-DDD6-479D-A49B-A950236E3C33}" dt="2020-06-04T00:56:17.642" v="1"/>
+        <pc:sldMkLst>
+          <pc:docMk/>
+          <pc:sldMk cId="4285117446" sldId="267"/>
+        </pc:sldMkLst>
+      </pc:sldChg>
+    </pc:docChg>
+  </pc:docChgLst>
+</pc:chgInfo>
 </file>
 
 <file path=ppt/slideLayouts/slideLayout1.xml><?xml version="1.0" encoding="utf-8"?>
@@ -5482,11 +5517,13 @@
         </p:nvSpPr>
         <p:spPr/>
         <p:txBody>
-          <a:bodyPr/>
-          <a:lstStyle/>
-          <a:p>
-            <a:r>
-              <a:rPr lang="en-US" dirty="0">
+          <a:bodyPr>
+            <a:normAutofit/>
+          </a:bodyPr>
+          <a:lstStyle/>
+          <a:p>
+            <a:r>
+              <a:rPr lang="en-US" sz="4000" dirty="0">
                 <a:solidFill>
                   <a:srgbClr val="00B0F0"/>
                 </a:solidFill>
@@ -5500,7 +5537,7 @@
               </a:rPr>
               <a:t>http://cop4331-9.us/</a:t>
             </a:r>
-            <a:endParaRPr lang="en-US" dirty="0">
+            <a:endParaRPr lang="en-US" sz="4000" dirty="0">
               <a:solidFill>
                 <a:srgbClr val="00B0F0"/>
               </a:solidFill>
@@ -5586,48 +5623,27 @@
             <p:ph type="title"/>
           </p:nvPr>
         </p:nvSpPr>
-        <p:spPr/>
-        <p:txBody>
-          <a:bodyPr/>
-          <a:lstStyle/>
-          <a:p>
-            <a:r>
-              <a:rPr lang="en-US" dirty="0">
+        <p:spPr>
+          <a:xfrm>
+            <a:off x="1011935" y="2102231"/>
+            <a:ext cx="10168128" cy="1928230"/>
+          </a:xfrm>
+        </p:spPr>
+        <p:txBody>
+          <a:bodyPr>
+            <a:normAutofit/>
+          </a:bodyPr>
+          <a:lstStyle/>
+          <a:p>
+            <a:pPr algn="ctr"/>
+            <a:r>
+              <a:rPr lang="en-US" sz="7200" dirty="0">
                 <a:solidFill>
                   <a:schemeClr val="bg1"/>
                 </a:solidFill>
               </a:rPr>
-              <a:t>Time for Questions</a:t>
-            </a:r>
-          </a:p>
-        </p:txBody>
-      </p:sp>
-      <p:sp>
-        <p:nvSpPr>
-          <p:cNvPr id="3" name="Content Placeholder 2">
-            <a:extLst>
-              <a:ext uri="{FF2B5EF4-FFF2-40B4-BE49-F238E27FC236}">
-                <a16:creationId xmlns:a16="http://schemas.microsoft.com/office/drawing/2014/main" id="{FF3952C8-B02B-49A4-A46F-C56F3D9CB93A}"/>
-              </a:ext>
-            </a:extLst>
-          </p:cNvPr>
-          <p:cNvSpPr>
-            <a:spLocks noGrp="1"/>
-          </p:cNvSpPr>
-          <p:nvPr>
-            <p:ph idx="1"/>
-          </p:nvPr>
-        </p:nvSpPr>
-        <p:spPr/>
-        <p:txBody>
-          <a:bodyPr/>
-          <a:lstStyle/>
-          <a:p>
-            <a:endParaRPr lang="en-US" dirty="0">
-              <a:solidFill>
-                <a:schemeClr val="bg1"/>
-              </a:solidFill>
-            </a:endParaRPr>
+              <a:t>Questions?</a:t>
+            </a:r>
           </a:p>
         </p:txBody>
       </p:sp>
@@ -5642,7 +5658,7 @@
     <a:masterClrMapping/>
   </p:clrMapOvr>
   <p:transition spd="slow">
-    <p:push dir="u"/>
+    <p:wedge/>
   </p:transition>
 </p:sld>
 </file>
@@ -6321,85 +6337,70 @@
             <p:ph type="title"/>
           </p:nvPr>
         </p:nvSpPr>
-        <p:spPr/>
-        <p:txBody>
-          <a:bodyPr/>
-          <a:lstStyle/>
-          <a:p>
-            <a:r>
-              <a:rPr lang="en-US" dirty="0">
+        <p:spPr>
+          <a:xfrm>
+            <a:off x="1011934" y="548640"/>
+            <a:ext cx="10168128" cy="1179576"/>
+          </a:xfrm>
+        </p:spPr>
+        <p:txBody>
+          <a:bodyPr>
+            <a:normAutofit/>
+          </a:bodyPr>
+          <a:lstStyle/>
+          <a:p>
+            <a:pPr algn="ctr"/>
+            <a:r>
+              <a:rPr lang="en-US" sz="4800" dirty="0">
                 <a:solidFill>
                   <a:schemeClr val="bg1"/>
                 </a:solidFill>
               </a:rPr>
-              <a:t>Things That Went Well</a:t>
-            </a:r>
-          </a:p>
-        </p:txBody>
-      </p:sp>
-      <p:sp>
-        <p:nvSpPr>
-          <p:cNvPr id="3" name="Content Placeholder 2">
-            <a:extLst>
-              <a:ext uri="{FF2B5EF4-FFF2-40B4-BE49-F238E27FC236}">
-                <a16:creationId xmlns:a16="http://schemas.microsoft.com/office/drawing/2014/main" id="{FF3952C8-B02B-49A4-A46F-C56F3D9CB93A}"/>
-              </a:ext>
-            </a:extLst>
-          </p:cNvPr>
-          <p:cNvSpPr>
-            <a:spLocks noGrp="1"/>
-          </p:cNvSpPr>
-          <p:nvPr>
-            <p:ph idx="1"/>
-          </p:nvPr>
-        </p:nvSpPr>
-        <p:spPr/>
-        <p:txBody>
-          <a:bodyPr/>
-          <a:lstStyle/>
-          <a:p>
-            <a:r>
-              <a:rPr lang="en-US" dirty="0">
-                <a:solidFill>
-                  <a:schemeClr val="bg1"/>
-                </a:solidFill>
-              </a:rPr>
-              <a:t>The group got along well</a:t>
-            </a:r>
-          </a:p>
-          <a:p>
-            <a:r>
-              <a:rPr lang="en-US" dirty="0">
-                <a:solidFill>
-                  <a:schemeClr val="bg1"/>
-                </a:solidFill>
-              </a:rPr>
-              <a:t>Relatively easy to find time to meet</a:t>
-            </a:r>
-          </a:p>
-          <a:p>
-            <a:r>
-              <a:rPr lang="en-US" dirty="0">
-                <a:solidFill>
-                  <a:schemeClr val="bg1"/>
-                </a:solidFill>
-              </a:rPr>
-              <a:t>Motivation was high</a:t>
-            </a:r>
-          </a:p>
-          <a:p>
-            <a:endParaRPr lang="en-US" dirty="0">
-              <a:solidFill>
-                <a:schemeClr val="bg1"/>
-              </a:solidFill>
-            </a:endParaRPr>
-          </a:p>
-        </p:txBody>
-      </p:sp>
+              <a:t>Use Case Diagram</a:t>
+            </a:r>
+          </a:p>
+        </p:txBody>
+      </p:sp>
+      <p:pic>
+        <p:nvPicPr>
+          <p:cNvPr id="5" name="Picture 4">
+            <a:extLst>
+              <a:ext uri="{FF2B5EF4-FFF2-40B4-BE49-F238E27FC236}">
+                <a16:creationId xmlns:a16="http://schemas.microsoft.com/office/drawing/2014/main" id="{D918FC30-447C-406D-A7BF-44E5A6F87490}"/>
+              </a:ext>
+            </a:extLst>
+          </p:cNvPr>
+          <p:cNvPicPr>
+            <a:picLocks noChangeAspect="1"/>
+          </p:cNvPicPr>
+          <p:nvPr/>
+        </p:nvPicPr>
+        <p:blipFill>
+          <a:blip r:embed="rId3">
+            <a:extLst>
+              <a:ext uri="{28A0092B-C50C-407E-A947-70E740481C1C}">
+                <a14:useLocalDpi xmlns:a14="http://schemas.microsoft.com/office/drawing/2010/main" val="0"/>
+              </a:ext>
+            </a:extLst>
+          </a:blip>
+          <a:stretch>
+            <a:fillRect/>
+          </a:stretch>
+        </p:blipFill>
+        <p:spPr>
+          <a:xfrm>
+            <a:off x="2134351" y="1728216"/>
+            <a:ext cx="7923293" cy="4841549"/>
+          </a:xfrm>
+          <a:prstGeom prst="rect">
+            <a:avLst/>
+          </a:prstGeom>
+        </p:spPr>
+      </p:pic>
     </p:spTree>
     <p:extLst>
       <p:ext uri="{BB962C8B-B14F-4D97-AF65-F5344CB8AC3E}">
-        <p14:creationId xmlns:p14="http://schemas.microsoft.com/office/powerpoint/2010/main" val="2570791978"/>
+        <p14:creationId xmlns:p14="http://schemas.microsoft.com/office/powerpoint/2010/main" val="4285117446"/>
       </p:ext>
     </p:extLst>
   </p:cSld>
@@ -6450,7 +6451,7 @@
         </p:blipFill>
         <p:spPr>
           <a:xfrm>
-            <a:off x="0" y="10"/>
+            <a:off x="-2" y="10"/>
             <a:ext cx="12192002" cy="6857990"/>
           </a:xfrm>
           <a:prstGeom prst="rect">
@@ -6458,94 +6459,45 @@
           </a:prstGeom>
         </p:spPr>
       </p:pic>
-      <p:sp>
-        <p:nvSpPr>
-          <p:cNvPr id="2" name="Title 1">
-            <a:extLst>
-              <a:ext uri="{FF2B5EF4-FFF2-40B4-BE49-F238E27FC236}">
-                <a16:creationId xmlns:a16="http://schemas.microsoft.com/office/drawing/2014/main" id="{39ECFA35-2FA1-4DCF-BD51-048761021DC9}"/>
-              </a:ext>
-            </a:extLst>
-          </p:cNvPr>
-          <p:cNvSpPr>
-            <a:spLocks noGrp="1"/>
-          </p:cNvSpPr>
-          <p:nvPr>
-            <p:ph type="title"/>
-          </p:nvPr>
-        </p:nvSpPr>
-        <p:spPr/>
-        <p:txBody>
-          <a:bodyPr/>
-          <a:lstStyle/>
-          <a:p>
-            <a:r>
-              <a:rPr lang="en-US" dirty="0">
-                <a:solidFill>
-                  <a:schemeClr val="bg1"/>
-                </a:solidFill>
-              </a:rPr>
-              <a:t>Things That Did Not Go Well</a:t>
-            </a:r>
-          </a:p>
-        </p:txBody>
-      </p:sp>
-      <p:sp>
-        <p:nvSpPr>
-          <p:cNvPr id="3" name="Content Placeholder 2">
-            <a:extLst>
-              <a:ext uri="{FF2B5EF4-FFF2-40B4-BE49-F238E27FC236}">
-                <a16:creationId xmlns:a16="http://schemas.microsoft.com/office/drawing/2014/main" id="{FF3952C8-B02B-49A4-A46F-C56F3D9CB93A}"/>
-              </a:ext>
-            </a:extLst>
-          </p:cNvPr>
-          <p:cNvSpPr>
-            <a:spLocks noGrp="1"/>
-          </p:cNvSpPr>
+      <p:pic>
+        <p:nvPicPr>
+          <p:cNvPr id="6" name="Content Placeholder 5">
+            <a:extLst>
+              <a:ext uri="{FF2B5EF4-FFF2-40B4-BE49-F238E27FC236}">
+                <a16:creationId xmlns:a16="http://schemas.microsoft.com/office/drawing/2014/main" id="{4311DFB3-7169-4EC5-8CD5-EC0D0D0DA593}"/>
+              </a:ext>
+            </a:extLst>
+          </p:cNvPr>
+          <p:cNvPicPr>
+            <a:picLocks noGrp="1" noChangeAspect="1"/>
+          </p:cNvPicPr>
           <p:nvPr>
             <p:ph idx="1"/>
           </p:nvPr>
-        </p:nvSpPr>
-        <p:spPr/>
-        <p:txBody>
-          <a:bodyPr/>
-          <a:lstStyle/>
-          <a:p>
-            <a:r>
-              <a:rPr lang="en-US" dirty="0">
-                <a:solidFill>
-                  <a:schemeClr val="bg1"/>
-                </a:solidFill>
-              </a:rPr>
-              <a:t>User error on GitHub, leading to confusion version control</a:t>
-            </a:r>
-          </a:p>
-          <a:p>
-            <a:r>
-              <a:rPr lang="en-US" dirty="0">
-                <a:solidFill>
-                  <a:schemeClr val="bg1"/>
-                </a:solidFill>
-              </a:rPr>
-              <a:t>Confusion on variable names between JS and PHP</a:t>
-            </a:r>
-          </a:p>
-          <a:p>
-            <a:r>
-              <a:rPr lang="en-US" dirty="0">
-                <a:solidFill>
-                  <a:schemeClr val="bg1"/>
-                </a:solidFill>
-              </a:rPr>
-              <a:t>Lengthy trial and error for SearchContact.php returning data as JSON object arrays</a:t>
-            </a:r>
-          </a:p>
-        </p:txBody>
-      </p:sp>
+        </p:nvPicPr>
+        <p:blipFill>
+          <a:blip r:embed="rId3">
+            <a:extLst>
+              <a:ext uri="{28A0092B-C50C-407E-A947-70E740481C1C}">
+                <a14:useLocalDpi xmlns:a14="http://schemas.microsoft.com/office/drawing/2010/main" val="0"/>
+              </a:ext>
+            </a:extLst>
+          </a:blip>
+          <a:stretch>
+            <a:fillRect/>
+          </a:stretch>
+        </p:blipFill>
+        <p:spPr>
+          <a:xfrm>
+            <a:off x="3770723" y="975709"/>
+            <a:ext cx="3768882" cy="5196491"/>
+          </a:xfrm>
+        </p:spPr>
+      </p:pic>
     </p:spTree>
     <p:extLst>
       <p:ext uri="{BB962C8B-B14F-4D97-AF65-F5344CB8AC3E}">
-        <p14:creationId xmlns:p14="http://schemas.microsoft.com/office/powerpoint/2010/main" val="1079752970"/>
+        <p14:creationId xmlns:p14="http://schemas.microsoft.com/office/powerpoint/2010/main" val="3105425967"/>
       </p:ext>
     </p:extLst>
   </p:cSld>
@@ -6620,70 +6572,85 @@
             <p:ph type="title"/>
           </p:nvPr>
         </p:nvSpPr>
-        <p:spPr>
-          <a:xfrm>
-            <a:off x="1011934" y="548640"/>
-            <a:ext cx="10168128" cy="1179576"/>
-          </a:xfrm>
-        </p:spPr>
-        <p:txBody>
-          <a:bodyPr>
-            <a:normAutofit/>
-          </a:bodyPr>
-          <a:lstStyle/>
-          <a:p>
-            <a:pPr algn="ctr"/>
-            <a:r>
-              <a:rPr lang="en-US" sz="4800" dirty="0">
+        <p:spPr/>
+        <p:txBody>
+          <a:bodyPr/>
+          <a:lstStyle/>
+          <a:p>
+            <a:r>
+              <a:rPr lang="en-US" dirty="0">
                 <a:solidFill>
                   <a:schemeClr val="bg1"/>
                 </a:solidFill>
               </a:rPr>
-              <a:t>Gantt Chart</a:t>
-            </a:r>
-          </a:p>
-        </p:txBody>
-      </p:sp>
-      <p:pic>
-        <p:nvPicPr>
-          <p:cNvPr id="6" name="Picture 5">
-            <a:extLst>
-              <a:ext uri="{FF2B5EF4-FFF2-40B4-BE49-F238E27FC236}">
-                <a16:creationId xmlns:a16="http://schemas.microsoft.com/office/drawing/2014/main" id="{96BA51CC-8242-48AD-A393-8BFD2AA47999}"/>
-              </a:ext>
-            </a:extLst>
-          </p:cNvPr>
-          <p:cNvPicPr>
-            <a:picLocks noChangeAspect="1"/>
-          </p:cNvPicPr>
-          <p:nvPr/>
-        </p:nvPicPr>
-        <p:blipFill>
-          <a:blip r:embed="rId3">
-            <a:extLst>
-              <a:ext uri="{28A0092B-C50C-407E-A947-70E740481C1C}">
-                <a14:useLocalDpi xmlns:a14="http://schemas.microsoft.com/office/drawing/2010/main" val="0"/>
-              </a:ext>
-            </a:extLst>
-          </a:blip>
-          <a:stretch>
-            <a:fillRect/>
-          </a:stretch>
-        </p:blipFill>
-        <p:spPr>
-          <a:xfrm>
-            <a:off x="1914492" y="1546825"/>
-            <a:ext cx="8363011" cy="4762535"/>
-          </a:xfrm>
-          <a:prstGeom prst="rect">
-            <a:avLst/>
-          </a:prstGeom>
-        </p:spPr>
-      </p:pic>
+              <a:t>Things That Went Well</a:t>
+            </a:r>
+          </a:p>
+        </p:txBody>
+      </p:sp>
+      <p:sp>
+        <p:nvSpPr>
+          <p:cNvPr id="3" name="Content Placeholder 2">
+            <a:extLst>
+              <a:ext uri="{FF2B5EF4-FFF2-40B4-BE49-F238E27FC236}">
+                <a16:creationId xmlns:a16="http://schemas.microsoft.com/office/drawing/2014/main" id="{FF3952C8-B02B-49A4-A46F-C56F3D9CB93A}"/>
+              </a:ext>
+            </a:extLst>
+          </p:cNvPr>
+          <p:cNvSpPr>
+            <a:spLocks noGrp="1"/>
+          </p:cNvSpPr>
+          <p:nvPr>
+            <p:ph idx="1"/>
+          </p:nvPr>
+        </p:nvSpPr>
+        <p:spPr/>
+        <p:txBody>
+          <a:bodyPr/>
+          <a:lstStyle/>
+          <a:p>
+            <a:r>
+              <a:rPr lang="en-US" dirty="0">
+                <a:solidFill>
+                  <a:schemeClr val="bg1"/>
+                </a:solidFill>
+              </a:rPr>
+              <a:t>The group got along well</a:t>
+            </a:r>
+          </a:p>
+          <a:p>
+            <a:r>
+              <a:rPr lang="en-US" dirty="0">
+                <a:solidFill>
+                  <a:schemeClr val="bg1"/>
+                </a:solidFill>
+              </a:rPr>
+              <a:t>Relatively easy to find time to meet</a:t>
+            </a:r>
+          </a:p>
+          <a:p>
+            <a:r>
+              <a:rPr lang="en-US" dirty="0">
+                <a:solidFill>
+                  <a:schemeClr val="bg1"/>
+                </a:solidFill>
+              </a:rPr>
+              <a:t>Motivation was high</a:t>
+            </a:r>
+          </a:p>
+          <a:p>
+            <a:endParaRPr lang="en-US" dirty="0">
+              <a:solidFill>
+                <a:schemeClr val="bg1"/>
+              </a:solidFill>
+            </a:endParaRPr>
+          </a:p>
+        </p:txBody>
+      </p:sp>
     </p:spTree>
     <p:extLst>
       <p:ext uri="{BB962C8B-B14F-4D97-AF65-F5344CB8AC3E}">
-        <p14:creationId xmlns:p14="http://schemas.microsoft.com/office/powerpoint/2010/main" val="4189910714"/>
+        <p14:creationId xmlns:p14="http://schemas.microsoft.com/office/powerpoint/2010/main" val="2570791978"/>
       </p:ext>
     </p:extLst>
   </p:cSld>
@@ -6734,7 +6701,7 @@
         </p:blipFill>
         <p:spPr>
           <a:xfrm>
-            <a:off x="-2" y="10"/>
+            <a:off x="0" y="10"/>
             <a:ext cx="12192002" cy="6857990"/>
           </a:xfrm>
           <a:prstGeom prst="rect">
@@ -6742,45 +6709,94 @@
           </a:prstGeom>
         </p:spPr>
       </p:pic>
-      <p:pic>
-        <p:nvPicPr>
-          <p:cNvPr id="6" name="Content Placeholder 5">
-            <a:extLst>
-              <a:ext uri="{FF2B5EF4-FFF2-40B4-BE49-F238E27FC236}">
-                <a16:creationId xmlns:a16="http://schemas.microsoft.com/office/drawing/2014/main" id="{4311DFB3-7169-4EC5-8CD5-EC0D0D0DA593}"/>
-              </a:ext>
-            </a:extLst>
-          </p:cNvPr>
-          <p:cNvPicPr>
-            <a:picLocks noGrp="1" noChangeAspect="1"/>
-          </p:cNvPicPr>
+      <p:sp>
+        <p:nvSpPr>
+          <p:cNvPr id="2" name="Title 1">
+            <a:extLst>
+              <a:ext uri="{FF2B5EF4-FFF2-40B4-BE49-F238E27FC236}">
+                <a16:creationId xmlns:a16="http://schemas.microsoft.com/office/drawing/2014/main" id="{39ECFA35-2FA1-4DCF-BD51-048761021DC9}"/>
+              </a:ext>
+            </a:extLst>
+          </p:cNvPr>
+          <p:cNvSpPr>
+            <a:spLocks noGrp="1"/>
+          </p:cNvSpPr>
+          <p:nvPr>
+            <p:ph type="title"/>
+          </p:nvPr>
+        </p:nvSpPr>
+        <p:spPr/>
+        <p:txBody>
+          <a:bodyPr/>
+          <a:lstStyle/>
+          <a:p>
+            <a:r>
+              <a:rPr lang="en-US" dirty="0">
+                <a:solidFill>
+                  <a:schemeClr val="bg1"/>
+                </a:solidFill>
+              </a:rPr>
+              <a:t>Things That Did Not Go Well</a:t>
+            </a:r>
+          </a:p>
+        </p:txBody>
+      </p:sp>
+      <p:sp>
+        <p:nvSpPr>
+          <p:cNvPr id="3" name="Content Placeholder 2">
+            <a:extLst>
+              <a:ext uri="{FF2B5EF4-FFF2-40B4-BE49-F238E27FC236}">
+                <a16:creationId xmlns:a16="http://schemas.microsoft.com/office/drawing/2014/main" id="{FF3952C8-B02B-49A4-A46F-C56F3D9CB93A}"/>
+              </a:ext>
+            </a:extLst>
+          </p:cNvPr>
+          <p:cNvSpPr>
+            <a:spLocks noGrp="1"/>
+          </p:cNvSpPr>
           <p:nvPr>
             <p:ph idx="1"/>
           </p:nvPr>
-        </p:nvPicPr>
-        <p:blipFill>
-          <a:blip r:embed="rId3">
-            <a:extLst>
-              <a:ext uri="{28A0092B-C50C-407E-A947-70E740481C1C}">
-                <a14:useLocalDpi xmlns:a14="http://schemas.microsoft.com/office/drawing/2010/main" val="0"/>
-              </a:ext>
-            </a:extLst>
-          </a:blip>
-          <a:stretch>
-            <a:fillRect/>
-          </a:stretch>
-        </p:blipFill>
-        <p:spPr>
-          <a:xfrm>
-            <a:off x="3770723" y="975709"/>
-            <a:ext cx="3768882" cy="5196491"/>
-          </a:xfrm>
-        </p:spPr>
-      </p:pic>
+        </p:nvSpPr>
+        <p:spPr/>
+        <p:txBody>
+          <a:bodyPr/>
+          <a:lstStyle/>
+          <a:p>
+            <a:r>
+              <a:rPr lang="en-US" dirty="0">
+                <a:solidFill>
+                  <a:schemeClr val="bg1"/>
+                </a:solidFill>
+              </a:rPr>
+              <a:t>User error on GitHub, leading to confusion version control</a:t>
+            </a:r>
+          </a:p>
+          <a:p>
+            <a:r>
+              <a:rPr lang="en-US" dirty="0">
+                <a:solidFill>
+                  <a:schemeClr val="bg1"/>
+                </a:solidFill>
+              </a:rPr>
+              <a:t>Confusion on variable names between JS and PHP</a:t>
+            </a:r>
+          </a:p>
+          <a:p>
+            <a:r>
+              <a:rPr lang="en-US" dirty="0">
+                <a:solidFill>
+                  <a:schemeClr val="bg1"/>
+                </a:solidFill>
+              </a:rPr>
+              <a:t>Lengthy trial and error for SearchContact.php returning data as JSON object arrays</a:t>
+            </a:r>
+          </a:p>
+        </p:txBody>
+      </p:sp>
     </p:spTree>
     <p:extLst>
       <p:ext uri="{BB962C8B-B14F-4D97-AF65-F5344CB8AC3E}">
-        <p14:creationId xmlns:p14="http://schemas.microsoft.com/office/powerpoint/2010/main" val="3105425967"/>
+        <p14:creationId xmlns:p14="http://schemas.microsoft.com/office/powerpoint/2010/main" val="1079752970"/>
       </p:ext>
     </p:extLst>
   </p:cSld>
@@ -6874,17 +6890,17 @@
                   <a:schemeClr val="bg1"/>
                 </a:solidFill>
               </a:rPr>
-              <a:t>Use Case Diagram</a:t>
+              <a:t>Gantt Chart</a:t>
             </a:r>
           </a:p>
         </p:txBody>
       </p:sp>
       <p:pic>
         <p:nvPicPr>
-          <p:cNvPr id="5" name="Picture 4">
-            <a:extLst>
-              <a:ext uri="{FF2B5EF4-FFF2-40B4-BE49-F238E27FC236}">
-                <a16:creationId xmlns:a16="http://schemas.microsoft.com/office/drawing/2014/main" id="{D918FC30-447C-406D-A7BF-44E5A6F87490}"/>
+          <p:cNvPr id="6" name="Picture 5">
+            <a:extLst>
+              <a:ext uri="{FF2B5EF4-FFF2-40B4-BE49-F238E27FC236}">
+                <a16:creationId xmlns:a16="http://schemas.microsoft.com/office/drawing/2014/main" id="{96BA51CC-8242-48AD-A393-8BFD2AA47999}"/>
               </a:ext>
             </a:extLst>
           </p:cNvPr>
@@ -6907,8 +6923,8 @@
         </p:blipFill>
         <p:spPr>
           <a:xfrm>
-            <a:off x="2134351" y="1728216"/>
-            <a:ext cx="7923293" cy="4841549"/>
+            <a:off x="1914492" y="1546825"/>
+            <a:ext cx="8363011" cy="4762535"/>
           </a:xfrm>
           <a:prstGeom prst="rect">
             <a:avLst/>
@@ -6918,7 +6934,7 @@
     </p:spTree>
     <p:extLst>
       <p:ext uri="{BB962C8B-B14F-4D97-AF65-F5344CB8AC3E}">
-        <p14:creationId xmlns:p14="http://schemas.microsoft.com/office/powerpoint/2010/main" val="4285117446"/>
+        <p14:creationId xmlns:p14="http://schemas.microsoft.com/office/powerpoint/2010/main" val="4189910714"/>
       </p:ext>
     </p:extLst>
   </p:cSld>
